--- a/Проектная дейтельность.pptx
+++ b/Проектная дейтельность.pptx
@@ -108,7 +108,7 @@
   </p:defaultTextStyle>
   <p:extLst>
     <p:ext uri="{EFAFB233-063F-42B5-8137-9DF3F51BA10A}">
-      <p15:sldGuideLst xmlns="" xmlns:p15="http://schemas.microsoft.com/office/powerpoint/2012/main"/>
+      <p15:sldGuideLst xmlns:p15="http://schemas.microsoft.com/office/powerpoint/2012/main" xmlns=""/>
     </p:ext>
   </p:extLst>
 </p:presentation>
@@ -136,7 +136,7 @@
           <p:cNvPr id="8" name="Рисунок 7">
             <a:extLst>
               <a:ext uri="{FF2B5EF4-FFF2-40B4-BE49-F238E27FC236}">
-                <a16:creationId xmlns="" xmlns:a16="http://schemas.microsoft.com/office/drawing/2014/main" id="{746382C2-D381-4D6D-80C2-B41E51FD42F8}"/>
+                <a16:creationId xmlns:a16="http://schemas.microsoft.com/office/drawing/2014/main" xmlns="" id="{746382C2-D381-4D6D-80C2-B41E51FD42F8}"/>
               </a:ext>
             </a:extLst>
           </p:cNvPr>
@@ -172,7 +172,7 @@
           <p:cNvPr id="2" name="Заголовок 1">
             <a:extLst>
               <a:ext uri="{FF2B5EF4-FFF2-40B4-BE49-F238E27FC236}">
-                <a16:creationId xmlns="" xmlns:a16="http://schemas.microsoft.com/office/drawing/2014/main" id="{E49C5198-0C29-4089-8533-4920526D4469}"/>
+                <a16:creationId xmlns:a16="http://schemas.microsoft.com/office/drawing/2014/main" xmlns="" id="{E49C5198-0C29-4089-8533-4920526D4469}"/>
               </a:ext>
             </a:extLst>
           </p:cNvPr>
@@ -210,7 +210,7 @@
           <p:cNvPr id="3" name="Подзаголовок 2">
             <a:extLst>
               <a:ext uri="{FF2B5EF4-FFF2-40B4-BE49-F238E27FC236}">
-                <a16:creationId xmlns="" xmlns:a16="http://schemas.microsoft.com/office/drawing/2014/main" id="{8218D666-763C-4CA7-8C37-536024E02240}"/>
+                <a16:creationId xmlns:a16="http://schemas.microsoft.com/office/drawing/2014/main" xmlns="" id="{8218D666-763C-4CA7-8C37-536024E02240}"/>
               </a:ext>
             </a:extLst>
           </p:cNvPr>
@@ -281,7 +281,7 @@
           <p:cNvPr id="4" name="Дата 3">
             <a:extLst>
               <a:ext uri="{FF2B5EF4-FFF2-40B4-BE49-F238E27FC236}">
-                <a16:creationId xmlns="" xmlns:a16="http://schemas.microsoft.com/office/drawing/2014/main" id="{3296DF67-65B9-4E6B-8591-05281861FDC6}"/>
+                <a16:creationId xmlns:a16="http://schemas.microsoft.com/office/drawing/2014/main" xmlns="" id="{3296DF67-65B9-4E6B-8591-05281861FDC6}"/>
               </a:ext>
             </a:extLst>
           </p:cNvPr>
@@ -310,7 +310,7 @@
           <p:cNvPr id="5" name="Нижний колонтитул 4">
             <a:extLst>
               <a:ext uri="{FF2B5EF4-FFF2-40B4-BE49-F238E27FC236}">
-                <a16:creationId xmlns="" xmlns:a16="http://schemas.microsoft.com/office/drawing/2014/main" id="{5A6F20B8-9F1E-4076-9674-830023A48290}"/>
+                <a16:creationId xmlns:a16="http://schemas.microsoft.com/office/drawing/2014/main" xmlns="" id="{5A6F20B8-9F1E-4076-9674-830023A48290}"/>
               </a:ext>
             </a:extLst>
           </p:cNvPr>
@@ -335,7 +335,7 @@
           <p:cNvPr id="6" name="Номер слайда 5">
             <a:extLst>
               <a:ext uri="{FF2B5EF4-FFF2-40B4-BE49-F238E27FC236}">
-                <a16:creationId xmlns="" xmlns:a16="http://schemas.microsoft.com/office/drawing/2014/main" id="{AB6B668B-A11D-4017-9A70-1832E5807627}"/>
+                <a16:creationId xmlns:a16="http://schemas.microsoft.com/office/drawing/2014/main" xmlns="" id="{AB6B668B-A11D-4017-9A70-1832E5807627}"/>
               </a:ext>
             </a:extLst>
           </p:cNvPr>
@@ -394,7 +394,7 @@
           <p:cNvPr id="2" name="Заголовок 1">
             <a:extLst>
               <a:ext uri="{FF2B5EF4-FFF2-40B4-BE49-F238E27FC236}">
-                <a16:creationId xmlns="" xmlns:a16="http://schemas.microsoft.com/office/drawing/2014/main" id="{9BC402A5-212D-4043-B855-3FB5F13D4024}"/>
+                <a16:creationId xmlns:a16="http://schemas.microsoft.com/office/drawing/2014/main" xmlns="" id="{9BC402A5-212D-4043-B855-3FB5F13D4024}"/>
               </a:ext>
             </a:extLst>
           </p:cNvPr>
@@ -423,7 +423,7 @@
           <p:cNvPr id="3" name="Вертикальный текст 2">
             <a:extLst>
               <a:ext uri="{FF2B5EF4-FFF2-40B4-BE49-F238E27FC236}">
-                <a16:creationId xmlns="" xmlns:a16="http://schemas.microsoft.com/office/drawing/2014/main" id="{FF6CD6A5-402F-4359-8F63-60A366C5DECB}"/>
+                <a16:creationId xmlns:a16="http://schemas.microsoft.com/office/drawing/2014/main" xmlns="" id="{FF6CD6A5-402F-4359-8F63-60A366C5DECB}"/>
               </a:ext>
             </a:extLst>
           </p:cNvPr>
@@ -481,7 +481,7 @@
           <p:cNvPr id="4" name="Дата 3">
             <a:extLst>
               <a:ext uri="{FF2B5EF4-FFF2-40B4-BE49-F238E27FC236}">
-                <a16:creationId xmlns="" xmlns:a16="http://schemas.microsoft.com/office/drawing/2014/main" id="{259BEC9E-1426-4768-8A4B-537593DFE620}"/>
+                <a16:creationId xmlns:a16="http://schemas.microsoft.com/office/drawing/2014/main" xmlns="" id="{259BEC9E-1426-4768-8A4B-537593DFE620}"/>
               </a:ext>
             </a:extLst>
           </p:cNvPr>
@@ -510,7 +510,7 @@
           <p:cNvPr id="5" name="Нижний колонтитул 4">
             <a:extLst>
               <a:ext uri="{FF2B5EF4-FFF2-40B4-BE49-F238E27FC236}">
-                <a16:creationId xmlns="" xmlns:a16="http://schemas.microsoft.com/office/drawing/2014/main" id="{2FED3044-502B-439B-96F1-076993191AE7}"/>
+                <a16:creationId xmlns:a16="http://schemas.microsoft.com/office/drawing/2014/main" xmlns="" id="{2FED3044-502B-439B-96F1-076993191AE7}"/>
               </a:ext>
             </a:extLst>
           </p:cNvPr>
@@ -535,7 +535,7 @@
           <p:cNvPr id="6" name="Номер слайда 5">
             <a:extLst>
               <a:ext uri="{FF2B5EF4-FFF2-40B4-BE49-F238E27FC236}">
-                <a16:creationId xmlns="" xmlns:a16="http://schemas.microsoft.com/office/drawing/2014/main" id="{8BB1628D-2CFC-463C-A3C6-CEBCDF57B9B7}"/>
+                <a16:creationId xmlns:a16="http://schemas.microsoft.com/office/drawing/2014/main" xmlns="" id="{8BB1628D-2CFC-463C-A3C6-CEBCDF57B9B7}"/>
               </a:ext>
             </a:extLst>
           </p:cNvPr>
@@ -594,7 +594,7 @@
           <p:cNvPr id="2" name="Вертикальный заголовок 1">
             <a:extLst>
               <a:ext uri="{FF2B5EF4-FFF2-40B4-BE49-F238E27FC236}">
-                <a16:creationId xmlns="" xmlns:a16="http://schemas.microsoft.com/office/drawing/2014/main" id="{36E6A72B-FE52-4447-84F4-693421E5F0EE}"/>
+                <a16:creationId xmlns:a16="http://schemas.microsoft.com/office/drawing/2014/main" xmlns="" id="{36E6A72B-FE52-4447-84F4-693421E5F0EE}"/>
               </a:ext>
             </a:extLst>
           </p:cNvPr>
@@ -628,7 +628,7 @@
           <p:cNvPr id="3" name="Вертикальный текст 2">
             <a:extLst>
               <a:ext uri="{FF2B5EF4-FFF2-40B4-BE49-F238E27FC236}">
-                <a16:creationId xmlns="" xmlns:a16="http://schemas.microsoft.com/office/drawing/2014/main" id="{1D44A0E8-51FA-4C9D-837F-861010E99421}"/>
+                <a16:creationId xmlns:a16="http://schemas.microsoft.com/office/drawing/2014/main" xmlns="" id="{1D44A0E8-51FA-4C9D-837F-861010E99421}"/>
               </a:ext>
             </a:extLst>
           </p:cNvPr>
@@ -691,7 +691,7 @@
           <p:cNvPr id="4" name="Дата 3">
             <a:extLst>
               <a:ext uri="{FF2B5EF4-FFF2-40B4-BE49-F238E27FC236}">
-                <a16:creationId xmlns="" xmlns:a16="http://schemas.microsoft.com/office/drawing/2014/main" id="{B9BEF2BB-A3D0-430C-99D0-1C8C41C4C26F}"/>
+                <a16:creationId xmlns:a16="http://schemas.microsoft.com/office/drawing/2014/main" xmlns="" id="{B9BEF2BB-A3D0-430C-99D0-1C8C41C4C26F}"/>
               </a:ext>
             </a:extLst>
           </p:cNvPr>
@@ -720,7 +720,7 @@
           <p:cNvPr id="5" name="Нижний колонтитул 4">
             <a:extLst>
               <a:ext uri="{FF2B5EF4-FFF2-40B4-BE49-F238E27FC236}">
-                <a16:creationId xmlns="" xmlns:a16="http://schemas.microsoft.com/office/drawing/2014/main" id="{A017872E-3649-449C-A88A-49540FC0ED65}"/>
+                <a16:creationId xmlns:a16="http://schemas.microsoft.com/office/drawing/2014/main" xmlns="" id="{A017872E-3649-449C-A88A-49540FC0ED65}"/>
               </a:ext>
             </a:extLst>
           </p:cNvPr>
@@ -745,7 +745,7 @@
           <p:cNvPr id="6" name="Номер слайда 5">
             <a:extLst>
               <a:ext uri="{FF2B5EF4-FFF2-40B4-BE49-F238E27FC236}">
-                <a16:creationId xmlns="" xmlns:a16="http://schemas.microsoft.com/office/drawing/2014/main" id="{A1B8E1CC-3B59-4B7C-BC4A-24C7D8E11791}"/>
+                <a16:creationId xmlns:a16="http://schemas.microsoft.com/office/drawing/2014/main" xmlns="" id="{A1B8E1CC-3B59-4B7C-BC4A-24C7D8E11791}"/>
               </a:ext>
             </a:extLst>
           </p:cNvPr>
@@ -804,7 +804,7 @@
           <p:cNvPr id="2" name="Заголовок 1">
             <a:extLst>
               <a:ext uri="{FF2B5EF4-FFF2-40B4-BE49-F238E27FC236}">
-                <a16:creationId xmlns="" xmlns:a16="http://schemas.microsoft.com/office/drawing/2014/main" id="{A7C5A012-E354-4DF4-A10E-8AEA04685441}"/>
+                <a16:creationId xmlns:a16="http://schemas.microsoft.com/office/drawing/2014/main" xmlns="" id="{A7C5A012-E354-4DF4-A10E-8AEA04685441}"/>
               </a:ext>
             </a:extLst>
           </p:cNvPr>
@@ -833,7 +833,7 @@
           <p:cNvPr id="3" name="Объект 2">
             <a:extLst>
               <a:ext uri="{FF2B5EF4-FFF2-40B4-BE49-F238E27FC236}">
-                <a16:creationId xmlns="" xmlns:a16="http://schemas.microsoft.com/office/drawing/2014/main" id="{8198A6D0-2C0F-4DF3-A1B3-BAE77A57C8C8}"/>
+                <a16:creationId xmlns:a16="http://schemas.microsoft.com/office/drawing/2014/main" xmlns="" id="{8198A6D0-2C0F-4DF3-A1B3-BAE77A57C8C8}"/>
               </a:ext>
             </a:extLst>
           </p:cNvPr>
@@ -891,7 +891,7 @@
           <p:cNvPr id="4" name="Дата 3">
             <a:extLst>
               <a:ext uri="{FF2B5EF4-FFF2-40B4-BE49-F238E27FC236}">
-                <a16:creationId xmlns="" xmlns:a16="http://schemas.microsoft.com/office/drawing/2014/main" id="{2D9DA3AB-6CD9-4E82-A567-BCF07008F4C5}"/>
+                <a16:creationId xmlns:a16="http://schemas.microsoft.com/office/drawing/2014/main" xmlns="" id="{2D9DA3AB-6CD9-4E82-A567-BCF07008F4C5}"/>
               </a:ext>
             </a:extLst>
           </p:cNvPr>
@@ -920,7 +920,7 @@
           <p:cNvPr id="5" name="Нижний колонтитул 4">
             <a:extLst>
               <a:ext uri="{FF2B5EF4-FFF2-40B4-BE49-F238E27FC236}">
-                <a16:creationId xmlns="" xmlns:a16="http://schemas.microsoft.com/office/drawing/2014/main" id="{9B317028-B763-4CCC-9325-2D5083627B6E}"/>
+                <a16:creationId xmlns:a16="http://schemas.microsoft.com/office/drawing/2014/main" xmlns="" id="{9B317028-B763-4CCC-9325-2D5083627B6E}"/>
               </a:ext>
             </a:extLst>
           </p:cNvPr>
@@ -945,7 +945,7 @@
           <p:cNvPr id="6" name="Номер слайда 5">
             <a:extLst>
               <a:ext uri="{FF2B5EF4-FFF2-40B4-BE49-F238E27FC236}">
-                <a16:creationId xmlns="" xmlns:a16="http://schemas.microsoft.com/office/drawing/2014/main" id="{17260D05-837A-4CE1-8C3B-AB5701F15086}"/>
+                <a16:creationId xmlns:a16="http://schemas.microsoft.com/office/drawing/2014/main" xmlns="" id="{17260D05-837A-4CE1-8C3B-AB5701F15086}"/>
               </a:ext>
             </a:extLst>
           </p:cNvPr>
@@ -1004,7 +1004,7 @@
           <p:cNvPr id="2" name="Заголовок 1">
             <a:extLst>
               <a:ext uri="{FF2B5EF4-FFF2-40B4-BE49-F238E27FC236}">
-                <a16:creationId xmlns="" xmlns:a16="http://schemas.microsoft.com/office/drawing/2014/main" id="{38FE8B12-25F0-47B9-8853-53BD5447DC0B}"/>
+                <a16:creationId xmlns:a16="http://schemas.microsoft.com/office/drawing/2014/main" xmlns="" id="{38FE8B12-25F0-47B9-8853-53BD5447DC0B}"/>
               </a:ext>
             </a:extLst>
           </p:cNvPr>
@@ -1042,7 +1042,7 @@
           <p:cNvPr id="3" name="Текст 2">
             <a:extLst>
               <a:ext uri="{FF2B5EF4-FFF2-40B4-BE49-F238E27FC236}">
-                <a16:creationId xmlns="" xmlns:a16="http://schemas.microsoft.com/office/drawing/2014/main" id="{4C248F43-7202-4EC7-BC19-B9BF376C9BDE}"/>
+                <a16:creationId xmlns:a16="http://schemas.microsoft.com/office/drawing/2014/main" xmlns="" id="{4C248F43-7202-4EC7-BC19-B9BF376C9BDE}"/>
               </a:ext>
             </a:extLst>
           </p:cNvPr>
@@ -1167,7 +1167,7 @@
           <p:cNvPr id="4" name="Дата 3">
             <a:extLst>
               <a:ext uri="{FF2B5EF4-FFF2-40B4-BE49-F238E27FC236}">
-                <a16:creationId xmlns="" xmlns:a16="http://schemas.microsoft.com/office/drawing/2014/main" id="{4C903BB8-9090-42D0-BD9E-6AA956BF311D}"/>
+                <a16:creationId xmlns:a16="http://schemas.microsoft.com/office/drawing/2014/main" xmlns="" id="{4C903BB8-9090-42D0-BD9E-6AA956BF311D}"/>
               </a:ext>
             </a:extLst>
           </p:cNvPr>
@@ -1196,7 +1196,7 @@
           <p:cNvPr id="5" name="Нижний колонтитул 4">
             <a:extLst>
               <a:ext uri="{FF2B5EF4-FFF2-40B4-BE49-F238E27FC236}">
-                <a16:creationId xmlns="" xmlns:a16="http://schemas.microsoft.com/office/drawing/2014/main" id="{17562153-1FC3-4CBC-8604-5A19629111AB}"/>
+                <a16:creationId xmlns:a16="http://schemas.microsoft.com/office/drawing/2014/main" xmlns="" id="{17562153-1FC3-4CBC-8604-5A19629111AB}"/>
               </a:ext>
             </a:extLst>
           </p:cNvPr>
@@ -1221,7 +1221,7 @@
           <p:cNvPr id="6" name="Номер слайда 5">
             <a:extLst>
               <a:ext uri="{FF2B5EF4-FFF2-40B4-BE49-F238E27FC236}">
-                <a16:creationId xmlns="" xmlns:a16="http://schemas.microsoft.com/office/drawing/2014/main" id="{1EDF2DC7-3911-42FD-AA18-C74E5104AE6E}"/>
+                <a16:creationId xmlns:a16="http://schemas.microsoft.com/office/drawing/2014/main" xmlns="" id="{1EDF2DC7-3911-42FD-AA18-C74E5104AE6E}"/>
               </a:ext>
             </a:extLst>
           </p:cNvPr>
@@ -1280,7 +1280,7 @@
           <p:cNvPr id="2" name="Заголовок 1">
             <a:extLst>
               <a:ext uri="{FF2B5EF4-FFF2-40B4-BE49-F238E27FC236}">
-                <a16:creationId xmlns="" xmlns:a16="http://schemas.microsoft.com/office/drawing/2014/main" id="{B22C7D7A-23C5-47BD-B422-00212F62C4B6}"/>
+                <a16:creationId xmlns:a16="http://schemas.microsoft.com/office/drawing/2014/main" xmlns="" id="{B22C7D7A-23C5-47BD-B422-00212F62C4B6}"/>
               </a:ext>
             </a:extLst>
           </p:cNvPr>
@@ -1309,7 +1309,7 @@
           <p:cNvPr id="3" name="Объект 2">
             <a:extLst>
               <a:ext uri="{FF2B5EF4-FFF2-40B4-BE49-F238E27FC236}">
-                <a16:creationId xmlns="" xmlns:a16="http://schemas.microsoft.com/office/drawing/2014/main" id="{A77CD2D9-C2C3-4321-897E-3706B0A18010}"/>
+                <a16:creationId xmlns:a16="http://schemas.microsoft.com/office/drawing/2014/main" xmlns="" id="{A77CD2D9-C2C3-4321-897E-3706B0A18010}"/>
               </a:ext>
             </a:extLst>
           </p:cNvPr>
@@ -1372,7 +1372,7 @@
           <p:cNvPr id="4" name="Объект 3">
             <a:extLst>
               <a:ext uri="{FF2B5EF4-FFF2-40B4-BE49-F238E27FC236}">
-                <a16:creationId xmlns="" xmlns:a16="http://schemas.microsoft.com/office/drawing/2014/main" id="{5EDD8198-E768-4320-95DC-8968C08D2E41}"/>
+                <a16:creationId xmlns:a16="http://schemas.microsoft.com/office/drawing/2014/main" xmlns="" id="{5EDD8198-E768-4320-95DC-8968C08D2E41}"/>
               </a:ext>
             </a:extLst>
           </p:cNvPr>
@@ -1435,7 +1435,7 @@
           <p:cNvPr id="5" name="Дата 4">
             <a:extLst>
               <a:ext uri="{FF2B5EF4-FFF2-40B4-BE49-F238E27FC236}">
-                <a16:creationId xmlns="" xmlns:a16="http://schemas.microsoft.com/office/drawing/2014/main" id="{13943153-422C-4334-88E1-76F892414CF8}"/>
+                <a16:creationId xmlns:a16="http://schemas.microsoft.com/office/drawing/2014/main" xmlns="" id="{13943153-422C-4334-88E1-76F892414CF8}"/>
               </a:ext>
             </a:extLst>
           </p:cNvPr>
@@ -1464,7 +1464,7 @@
           <p:cNvPr id="6" name="Нижний колонтитул 5">
             <a:extLst>
               <a:ext uri="{FF2B5EF4-FFF2-40B4-BE49-F238E27FC236}">
-                <a16:creationId xmlns="" xmlns:a16="http://schemas.microsoft.com/office/drawing/2014/main" id="{30C64E39-3F60-4701-ABFF-44A41FB2AA79}"/>
+                <a16:creationId xmlns:a16="http://schemas.microsoft.com/office/drawing/2014/main" xmlns="" id="{30C64E39-3F60-4701-ABFF-44A41FB2AA79}"/>
               </a:ext>
             </a:extLst>
           </p:cNvPr>
@@ -1489,7 +1489,7 @@
           <p:cNvPr id="7" name="Номер слайда 6">
             <a:extLst>
               <a:ext uri="{FF2B5EF4-FFF2-40B4-BE49-F238E27FC236}">
-                <a16:creationId xmlns="" xmlns:a16="http://schemas.microsoft.com/office/drawing/2014/main" id="{09652011-D5A2-4E8A-A32B-F55F9B16025B}"/>
+                <a16:creationId xmlns:a16="http://schemas.microsoft.com/office/drawing/2014/main" xmlns="" id="{09652011-D5A2-4E8A-A32B-F55F9B16025B}"/>
               </a:ext>
             </a:extLst>
           </p:cNvPr>
@@ -1548,7 +1548,7 @@
           <p:cNvPr id="2" name="Заголовок 1">
             <a:extLst>
               <a:ext uri="{FF2B5EF4-FFF2-40B4-BE49-F238E27FC236}">
-                <a16:creationId xmlns="" xmlns:a16="http://schemas.microsoft.com/office/drawing/2014/main" id="{4F2F2485-B13A-4C48-8E5A-2512A9648B3B}"/>
+                <a16:creationId xmlns:a16="http://schemas.microsoft.com/office/drawing/2014/main" xmlns="" id="{4F2F2485-B13A-4C48-8E5A-2512A9648B3B}"/>
               </a:ext>
             </a:extLst>
           </p:cNvPr>
@@ -1582,7 +1582,7 @@
           <p:cNvPr id="3" name="Текст 2">
             <a:extLst>
               <a:ext uri="{FF2B5EF4-FFF2-40B4-BE49-F238E27FC236}">
-                <a16:creationId xmlns="" xmlns:a16="http://schemas.microsoft.com/office/drawing/2014/main" id="{6C7982BE-4C88-45E8-9380-10F87883012A}"/>
+                <a16:creationId xmlns:a16="http://schemas.microsoft.com/office/drawing/2014/main" xmlns="" id="{6C7982BE-4C88-45E8-9380-10F87883012A}"/>
               </a:ext>
             </a:extLst>
           </p:cNvPr>
@@ -1653,7 +1653,7 @@
           <p:cNvPr id="4" name="Объект 3">
             <a:extLst>
               <a:ext uri="{FF2B5EF4-FFF2-40B4-BE49-F238E27FC236}">
-                <a16:creationId xmlns="" xmlns:a16="http://schemas.microsoft.com/office/drawing/2014/main" id="{878BD70D-5D4F-4FBE-9F56-A46466B40343}"/>
+                <a16:creationId xmlns:a16="http://schemas.microsoft.com/office/drawing/2014/main" xmlns="" id="{878BD70D-5D4F-4FBE-9F56-A46466B40343}"/>
               </a:ext>
             </a:extLst>
           </p:cNvPr>
@@ -1716,7 +1716,7 @@
           <p:cNvPr id="5" name="Текст 4">
             <a:extLst>
               <a:ext uri="{FF2B5EF4-FFF2-40B4-BE49-F238E27FC236}">
-                <a16:creationId xmlns="" xmlns:a16="http://schemas.microsoft.com/office/drawing/2014/main" id="{A1CA729B-3125-4A16-BDE2-9BA0AC989226}"/>
+                <a16:creationId xmlns:a16="http://schemas.microsoft.com/office/drawing/2014/main" xmlns="" id="{A1CA729B-3125-4A16-BDE2-9BA0AC989226}"/>
               </a:ext>
             </a:extLst>
           </p:cNvPr>
@@ -1787,7 +1787,7 @@
           <p:cNvPr id="6" name="Объект 5">
             <a:extLst>
               <a:ext uri="{FF2B5EF4-FFF2-40B4-BE49-F238E27FC236}">
-                <a16:creationId xmlns="" xmlns:a16="http://schemas.microsoft.com/office/drawing/2014/main" id="{C9890761-F7FD-42EA-ACBD-5959B9DA116B}"/>
+                <a16:creationId xmlns:a16="http://schemas.microsoft.com/office/drawing/2014/main" xmlns="" id="{C9890761-F7FD-42EA-ACBD-5959B9DA116B}"/>
               </a:ext>
             </a:extLst>
           </p:cNvPr>
@@ -1850,7 +1850,7 @@
           <p:cNvPr id="7" name="Дата 6">
             <a:extLst>
               <a:ext uri="{FF2B5EF4-FFF2-40B4-BE49-F238E27FC236}">
-                <a16:creationId xmlns="" xmlns:a16="http://schemas.microsoft.com/office/drawing/2014/main" id="{A7C443B2-D90B-4153-9BEB-479F05279370}"/>
+                <a16:creationId xmlns:a16="http://schemas.microsoft.com/office/drawing/2014/main" xmlns="" id="{A7C443B2-D90B-4153-9BEB-479F05279370}"/>
               </a:ext>
             </a:extLst>
           </p:cNvPr>
@@ -1879,7 +1879,7 @@
           <p:cNvPr id="8" name="Нижний колонтитул 7">
             <a:extLst>
               <a:ext uri="{FF2B5EF4-FFF2-40B4-BE49-F238E27FC236}">
-                <a16:creationId xmlns="" xmlns:a16="http://schemas.microsoft.com/office/drawing/2014/main" id="{DF1746D5-2285-45EB-A6A9-DAEF3C1156A3}"/>
+                <a16:creationId xmlns:a16="http://schemas.microsoft.com/office/drawing/2014/main" xmlns="" id="{DF1746D5-2285-45EB-A6A9-DAEF3C1156A3}"/>
               </a:ext>
             </a:extLst>
           </p:cNvPr>
@@ -1904,7 +1904,7 @@
           <p:cNvPr id="9" name="Номер слайда 8">
             <a:extLst>
               <a:ext uri="{FF2B5EF4-FFF2-40B4-BE49-F238E27FC236}">
-                <a16:creationId xmlns="" xmlns:a16="http://schemas.microsoft.com/office/drawing/2014/main" id="{020F6604-5362-452C-8E9F-6DC1C5540C54}"/>
+                <a16:creationId xmlns:a16="http://schemas.microsoft.com/office/drawing/2014/main" xmlns="" id="{020F6604-5362-452C-8E9F-6DC1C5540C54}"/>
               </a:ext>
             </a:extLst>
           </p:cNvPr>
@@ -1963,7 +1963,7 @@
           <p:cNvPr id="2" name="Заголовок 1">
             <a:extLst>
               <a:ext uri="{FF2B5EF4-FFF2-40B4-BE49-F238E27FC236}">
-                <a16:creationId xmlns="" xmlns:a16="http://schemas.microsoft.com/office/drawing/2014/main" id="{F42C2909-E01C-4D96-A931-77D9C0365CB3}"/>
+                <a16:creationId xmlns:a16="http://schemas.microsoft.com/office/drawing/2014/main" xmlns="" id="{F42C2909-E01C-4D96-A931-77D9C0365CB3}"/>
               </a:ext>
             </a:extLst>
           </p:cNvPr>
@@ -1992,7 +1992,7 @@
           <p:cNvPr id="3" name="Дата 2">
             <a:extLst>
               <a:ext uri="{FF2B5EF4-FFF2-40B4-BE49-F238E27FC236}">
-                <a16:creationId xmlns="" xmlns:a16="http://schemas.microsoft.com/office/drawing/2014/main" id="{7AE8A5B9-BE03-40F1-93CB-D6EB2FB62121}"/>
+                <a16:creationId xmlns:a16="http://schemas.microsoft.com/office/drawing/2014/main" xmlns="" id="{7AE8A5B9-BE03-40F1-93CB-D6EB2FB62121}"/>
               </a:ext>
             </a:extLst>
           </p:cNvPr>
@@ -2021,7 +2021,7 @@
           <p:cNvPr id="4" name="Нижний колонтитул 3">
             <a:extLst>
               <a:ext uri="{FF2B5EF4-FFF2-40B4-BE49-F238E27FC236}">
-                <a16:creationId xmlns="" xmlns:a16="http://schemas.microsoft.com/office/drawing/2014/main" id="{1AA44E0B-8662-45F8-86E9-56DB7DFDD20D}"/>
+                <a16:creationId xmlns:a16="http://schemas.microsoft.com/office/drawing/2014/main" xmlns="" id="{1AA44E0B-8662-45F8-86E9-56DB7DFDD20D}"/>
               </a:ext>
             </a:extLst>
           </p:cNvPr>
@@ -2046,7 +2046,7 @@
           <p:cNvPr id="5" name="Номер слайда 4">
             <a:extLst>
               <a:ext uri="{FF2B5EF4-FFF2-40B4-BE49-F238E27FC236}">
-                <a16:creationId xmlns="" xmlns:a16="http://schemas.microsoft.com/office/drawing/2014/main" id="{1BA43961-D300-49CA-AC38-CCCB41E1C51E}"/>
+                <a16:creationId xmlns:a16="http://schemas.microsoft.com/office/drawing/2014/main" xmlns="" id="{1BA43961-D300-49CA-AC38-CCCB41E1C51E}"/>
               </a:ext>
             </a:extLst>
           </p:cNvPr>
@@ -2105,7 +2105,7 @@
           <p:cNvPr id="2" name="Дата 1">
             <a:extLst>
               <a:ext uri="{FF2B5EF4-FFF2-40B4-BE49-F238E27FC236}">
-                <a16:creationId xmlns="" xmlns:a16="http://schemas.microsoft.com/office/drawing/2014/main" id="{AA69D096-0836-48F0-B906-1C656EB784E9}"/>
+                <a16:creationId xmlns:a16="http://schemas.microsoft.com/office/drawing/2014/main" xmlns="" id="{AA69D096-0836-48F0-B906-1C656EB784E9}"/>
               </a:ext>
             </a:extLst>
           </p:cNvPr>
@@ -2134,7 +2134,7 @@
           <p:cNvPr id="3" name="Нижний колонтитул 2">
             <a:extLst>
               <a:ext uri="{FF2B5EF4-FFF2-40B4-BE49-F238E27FC236}">
-                <a16:creationId xmlns="" xmlns:a16="http://schemas.microsoft.com/office/drawing/2014/main" id="{C7BD8B52-2B75-4F21-AC3E-30570BAADD16}"/>
+                <a16:creationId xmlns:a16="http://schemas.microsoft.com/office/drawing/2014/main" xmlns="" id="{C7BD8B52-2B75-4F21-AC3E-30570BAADD16}"/>
               </a:ext>
             </a:extLst>
           </p:cNvPr>
@@ -2159,7 +2159,7 @@
           <p:cNvPr id="4" name="Номер слайда 3">
             <a:extLst>
               <a:ext uri="{FF2B5EF4-FFF2-40B4-BE49-F238E27FC236}">
-                <a16:creationId xmlns="" xmlns:a16="http://schemas.microsoft.com/office/drawing/2014/main" id="{A2F3FA37-7659-4FFC-844B-7383A75BC343}"/>
+                <a16:creationId xmlns:a16="http://schemas.microsoft.com/office/drawing/2014/main" xmlns="" id="{A2F3FA37-7659-4FFC-844B-7383A75BC343}"/>
               </a:ext>
             </a:extLst>
           </p:cNvPr>
@@ -2218,7 +2218,7 @@
           <p:cNvPr id="2" name="Заголовок 1">
             <a:extLst>
               <a:ext uri="{FF2B5EF4-FFF2-40B4-BE49-F238E27FC236}">
-                <a16:creationId xmlns="" xmlns:a16="http://schemas.microsoft.com/office/drawing/2014/main" id="{F7AF78AF-6683-48C9-AF8D-4E584CE98145}"/>
+                <a16:creationId xmlns:a16="http://schemas.microsoft.com/office/drawing/2014/main" xmlns="" id="{F7AF78AF-6683-48C9-AF8D-4E584CE98145}"/>
               </a:ext>
             </a:extLst>
           </p:cNvPr>
@@ -2256,7 +2256,7 @@
           <p:cNvPr id="3" name="Объект 2">
             <a:extLst>
               <a:ext uri="{FF2B5EF4-FFF2-40B4-BE49-F238E27FC236}">
-                <a16:creationId xmlns="" xmlns:a16="http://schemas.microsoft.com/office/drawing/2014/main" id="{56CEB257-A2C7-4BC4-B5C3-3625AD5B7A8D}"/>
+                <a16:creationId xmlns:a16="http://schemas.microsoft.com/office/drawing/2014/main" xmlns="" id="{56CEB257-A2C7-4BC4-B5C3-3625AD5B7A8D}"/>
               </a:ext>
             </a:extLst>
           </p:cNvPr>
@@ -2347,7 +2347,7 @@
           <p:cNvPr id="4" name="Текст 3">
             <a:extLst>
               <a:ext uri="{FF2B5EF4-FFF2-40B4-BE49-F238E27FC236}">
-                <a16:creationId xmlns="" xmlns:a16="http://schemas.microsoft.com/office/drawing/2014/main" id="{C9D0BA2A-8008-40C0-AA14-3B1767CFD552}"/>
+                <a16:creationId xmlns:a16="http://schemas.microsoft.com/office/drawing/2014/main" xmlns="" id="{C9D0BA2A-8008-40C0-AA14-3B1767CFD552}"/>
               </a:ext>
             </a:extLst>
           </p:cNvPr>
@@ -2418,7 +2418,7 @@
           <p:cNvPr id="5" name="Дата 4">
             <a:extLst>
               <a:ext uri="{FF2B5EF4-FFF2-40B4-BE49-F238E27FC236}">
-                <a16:creationId xmlns="" xmlns:a16="http://schemas.microsoft.com/office/drawing/2014/main" id="{AF0FBF0E-CAB6-4D48-ACA7-86D7AB568AC6}"/>
+                <a16:creationId xmlns:a16="http://schemas.microsoft.com/office/drawing/2014/main" xmlns="" id="{AF0FBF0E-CAB6-4D48-ACA7-86D7AB568AC6}"/>
               </a:ext>
             </a:extLst>
           </p:cNvPr>
@@ -2447,7 +2447,7 @@
           <p:cNvPr id="6" name="Нижний колонтитул 5">
             <a:extLst>
               <a:ext uri="{FF2B5EF4-FFF2-40B4-BE49-F238E27FC236}">
-                <a16:creationId xmlns="" xmlns:a16="http://schemas.microsoft.com/office/drawing/2014/main" id="{CA422D8D-0A84-46C4-BD86-2B93CB31CEA2}"/>
+                <a16:creationId xmlns:a16="http://schemas.microsoft.com/office/drawing/2014/main" xmlns="" id="{CA422D8D-0A84-46C4-BD86-2B93CB31CEA2}"/>
               </a:ext>
             </a:extLst>
           </p:cNvPr>
@@ -2472,7 +2472,7 @@
           <p:cNvPr id="7" name="Номер слайда 6">
             <a:extLst>
               <a:ext uri="{FF2B5EF4-FFF2-40B4-BE49-F238E27FC236}">
-                <a16:creationId xmlns="" xmlns:a16="http://schemas.microsoft.com/office/drawing/2014/main" id="{554F9F4C-F685-480B-ACF5-53ECEA9811F5}"/>
+                <a16:creationId xmlns:a16="http://schemas.microsoft.com/office/drawing/2014/main" xmlns="" id="{554F9F4C-F685-480B-ACF5-53ECEA9811F5}"/>
               </a:ext>
             </a:extLst>
           </p:cNvPr>
@@ -2531,7 +2531,7 @@
           <p:cNvPr id="2" name="Заголовок 1">
             <a:extLst>
               <a:ext uri="{FF2B5EF4-FFF2-40B4-BE49-F238E27FC236}">
-                <a16:creationId xmlns="" xmlns:a16="http://schemas.microsoft.com/office/drawing/2014/main" id="{67454DFE-FE16-4475-B5CF-4383780DA914}"/>
+                <a16:creationId xmlns:a16="http://schemas.microsoft.com/office/drawing/2014/main" xmlns="" id="{67454DFE-FE16-4475-B5CF-4383780DA914}"/>
               </a:ext>
             </a:extLst>
           </p:cNvPr>
@@ -2569,7 +2569,7 @@
           <p:cNvPr id="3" name="Рисунок 2">
             <a:extLst>
               <a:ext uri="{FF2B5EF4-FFF2-40B4-BE49-F238E27FC236}">
-                <a16:creationId xmlns="" xmlns:a16="http://schemas.microsoft.com/office/drawing/2014/main" id="{8048363C-8FFA-4431-8A62-7D6E5317775A}"/>
+                <a16:creationId xmlns:a16="http://schemas.microsoft.com/office/drawing/2014/main" xmlns="" id="{8048363C-8FFA-4431-8A62-7D6E5317775A}"/>
               </a:ext>
             </a:extLst>
           </p:cNvPr>
@@ -2636,7 +2636,7 @@
           <p:cNvPr id="4" name="Текст 3">
             <a:extLst>
               <a:ext uri="{FF2B5EF4-FFF2-40B4-BE49-F238E27FC236}">
-                <a16:creationId xmlns="" xmlns:a16="http://schemas.microsoft.com/office/drawing/2014/main" id="{558B1310-0446-4D1D-85EB-955E364C29BE}"/>
+                <a16:creationId xmlns:a16="http://schemas.microsoft.com/office/drawing/2014/main" xmlns="" id="{558B1310-0446-4D1D-85EB-955E364C29BE}"/>
               </a:ext>
             </a:extLst>
           </p:cNvPr>
@@ -2707,7 +2707,7 @@
           <p:cNvPr id="5" name="Дата 4">
             <a:extLst>
               <a:ext uri="{FF2B5EF4-FFF2-40B4-BE49-F238E27FC236}">
-                <a16:creationId xmlns="" xmlns:a16="http://schemas.microsoft.com/office/drawing/2014/main" id="{972DB819-1C66-423F-88B7-A8B0BEC23222}"/>
+                <a16:creationId xmlns:a16="http://schemas.microsoft.com/office/drawing/2014/main" xmlns="" id="{972DB819-1C66-423F-88B7-A8B0BEC23222}"/>
               </a:ext>
             </a:extLst>
           </p:cNvPr>
@@ -2736,7 +2736,7 @@
           <p:cNvPr id="6" name="Нижний колонтитул 5">
             <a:extLst>
               <a:ext uri="{FF2B5EF4-FFF2-40B4-BE49-F238E27FC236}">
-                <a16:creationId xmlns="" xmlns:a16="http://schemas.microsoft.com/office/drawing/2014/main" id="{28E7A600-616B-4393-AA67-89A390518C68}"/>
+                <a16:creationId xmlns:a16="http://schemas.microsoft.com/office/drawing/2014/main" xmlns="" id="{28E7A600-616B-4393-AA67-89A390518C68}"/>
               </a:ext>
             </a:extLst>
           </p:cNvPr>
@@ -2761,7 +2761,7 @@
           <p:cNvPr id="7" name="Номер слайда 6">
             <a:extLst>
               <a:ext uri="{FF2B5EF4-FFF2-40B4-BE49-F238E27FC236}">
-                <a16:creationId xmlns="" xmlns:a16="http://schemas.microsoft.com/office/drawing/2014/main" id="{AF6F7D27-BD5B-49AE-AA4F-700BED44D7D8}"/>
+                <a16:creationId xmlns:a16="http://schemas.microsoft.com/office/drawing/2014/main" xmlns="" id="{AF6F7D27-BD5B-49AE-AA4F-700BED44D7D8}"/>
               </a:ext>
             </a:extLst>
           </p:cNvPr>
@@ -2825,7 +2825,7 @@
           <p:cNvPr id="8" name="Рисунок 7">
             <a:extLst>
               <a:ext uri="{FF2B5EF4-FFF2-40B4-BE49-F238E27FC236}">
-                <a16:creationId xmlns="" xmlns:a16="http://schemas.microsoft.com/office/drawing/2014/main" id="{3AB5BB98-B855-4510-A700-E2247B2E80E3}"/>
+                <a16:creationId xmlns:a16="http://schemas.microsoft.com/office/drawing/2014/main" xmlns="" id="{3AB5BB98-B855-4510-A700-E2247B2E80E3}"/>
               </a:ext>
             </a:extLst>
           </p:cNvPr>
@@ -2861,7 +2861,7 @@
           <p:cNvPr id="2" name="Заголовок 1">
             <a:extLst>
               <a:ext uri="{FF2B5EF4-FFF2-40B4-BE49-F238E27FC236}">
-                <a16:creationId xmlns="" xmlns:a16="http://schemas.microsoft.com/office/drawing/2014/main" id="{134C407D-AD53-4F99-A849-C2C347DE9E62}"/>
+                <a16:creationId xmlns:a16="http://schemas.microsoft.com/office/drawing/2014/main" xmlns="" id="{134C407D-AD53-4F99-A849-C2C347DE9E62}"/>
               </a:ext>
             </a:extLst>
           </p:cNvPr>
@@ -2900,7 +2900,7 @@
           <p:cNvPr id="3" name="Текст 2">
             <a:extLst>
               <a:ext uri="{FF2B5EF4-FFF2-40B4-BE49-F238E27FC236}">
-                <a16:creationId xmlns="" xmlns:a16="http://schemas.microsoft.com/office/drawing/2014/main" id="{0ED14BB2-8321-463B-AE7D-46D6CDEDEA07}"/>
+                <a16:creationId xmlns:a16="http://schemas.microsoft.com/office/drawing/2014/main" xmlns="" id="{0ED14BB2-8321-463B-AE7D-46D6CDEDEA07}"/>
               </a:ext>
             </a:extLst>
           </p:cNvPr>
@@ -2968,7 +2968,7 @@
           <p:cNvPr id="4" name="Дата 3">
             <a:extLst>
               <a:ext uri="{FF2B5EF4-FFF2-40B4-BE49-F238E27FC236}">
-                <a16:creationId xmlns="" xmlns:a16="http://schemas.microsoft.com/office/drawing/2014/main" id="{10DEFF3D-6B4C-43D1-AAE9-4407792FDB30}"/>
+                <a16:creationId xmlns:a16="http://schemas.microsoft.com/office/drawing/2014/main" xmlns="" id="{10DEFF3D-6B4C-43D1-AAE9-4407792FDB30}"/>
               </a:ext>
             </a:extLst>
           </p:cNvPr>
@@ -3015,7 +3015,7 @@
           <p:cNvPr id="5" name="Нижний колонтитул 4">
             <a:extLst>
               <a:ext uri="{FF2B5EF4-FFF2-40B4-BE49-F238E27FC236}">
-                <a16:creationId xmlns="" xmlns:a16="http://schemas.microsoft.com/office/drawing/2014/main" id="{DD0507FF-D06D-4C9B-BEC8-F0531AE82E04}"/>
+                <a16:creationId xmlns:a16="http://schemas.microsoft.com/office/drawing/2014/main" xmlns="" id="{DD0507FF-D06D-4C9B-BEC8-F0531AE82E04}"/>
               </a:ext>
             </a:extLst>
           </p:cNvPr>
@@ -3058,7 +3058,7 @@
           <p:cNvPr id="6" name="Номер слайда 5">
             <a:extLst>
               <a:ext uri="{FF2B5EF4-FFF2-40B4-BE49-F238E27FC236}">
-                <a16:creationId xmlns="" xmlns:a16="http://schemas.microsoft.com/office/drawing/2014/main" id="{DFBAE239-81A2-4A98-A233-C7693931868A}"/>
+                <a16:creationId xmlns:a16="http://schemas.microsoft.com/office/drawing/2014/main" xmlns="" id="{DFBAE239-81A2-4A98-A233-C7693931868A}"/>
               </a:ext>
             </a:extLst>
           </p:cNvPr>
@@ -3426,7 +3426,7 @@
           <p:cNvPr id="2" name="Заголовок 1">
             <a:extLst>
               <a:ext uri="{FF2B5EF4-FFF2-40B4-BE49-F238E27FC236}">
-                <a16:creationId xmlns="" xmlns:a16="http://schemas.microsoft.com/office/drawing/2014/main" id="{18EE15ED-4B62-4394-B044-A1F85DDA48A6}"/>
+                <a16:creationId xmlns:a16="http://schemas.microsoft.com/office/drawing/2014/main" xmlns="" id="{18EE15ED-4B62-4394-B044-A1F85DDA48A6}"/>
               </a:ext>
             </a:extLst>
           </p:cNvPr>
@@ -3440,7 +3440,7 @@
         <p:spPr>
           <a:xfrm>
             <a:off x="569815" y="632737"/>
-            <a:ext cx="11052369" cy="1041404"/>
+            <a:ext cx="11052369" cy="1536032"/>
           </a:xfrm>
         </p:spPr>
         <p:txBody>
@@ -3449,20 +3449,81 @@
           </a:bodyPr>
           <a:lstStyle/>
           <a:p>
-            <a:pPr algn="l"/>
-            <a:r>
-              <a:rPr lang="ru-RU" b="1" dirty="0">
+            <a:r>
+              <a:rPr lang="ru-RU" b="1" i="1" dirty="0" smtClean="0">
                 <a:solidFill>
                   <a:schemeClr val="bg1"/>
                 </a:solidFill>
+                <a:effectLst>
+                  <a:outerShdw blurRad="38100" dist="38100" dir="2700000" algn="tl">
+                    <a:srgbClr val="000000">
+                      <a:alpha val="43137"/>
+                    </a:srgbClr>
+                  </a:outerShdw>
+                </a:effectLst>
                 <a:latin typeface="+mn-lt"/>
               </a:rPr>
-              <a:t>Исследование функции факториал</a:t>
-            </a:r>
-            <a:endParaRPr lang="en-US" b="1" dirty="0">
+              <a:t>Ф</a:t>
+            </a:r>
+            <a:r>
+              <a:rPr lang="ru-RU" b="1" i="1" dirty="0" smtClean="0">
+                <a:solidFill>
+                  <a:schemeClr val="bg1"/>
+                </a:solidFill>
+                <a:effectLst>
+                  <a:outerShdw blurRad="38100" dist="38100" dir="2700000" algn="tl">
+                    <a:srgbClr val="000000">
+                      <a:alpha val="43137"/>
+                    </a:srgbClr>
+                  </a:outerShdw>
+                </a:effectLst>
+                <a:latin typeface="+mn-lt"/>
+              </a:rPr>
+              <a:t>ункция для вычисления факториала (</a:t>
+            </a:r>
+            <a:r>
+              <a:rPr lang="en-US" b="1" i="1" dirty="0" smtClean="0">
+                <a:solidFill>
+                  <a:schemeClr val="bg1"/>
+                </a:solidFill>
+                <a:effectLst>
+                  <a:outerShdw blurRad="38100" dist="38100" dir="2700000" algn="tl">
+                    <a:srgbClr val="000000">
+                      <a:alpha val="43137"/>
+                    </a:srgbClr>
+                  </a:outerShdw>
+                </a:effectLst>
+                <a:latin typeface="+mn-lt"/>
+              </a:rPr>
+              <a:t>n!</a:t>
+            </a:r>
+            <a:r>
+              <a:rPr lang="ru-RU" b="1" i="1" dirty="0" smtClean="0">
+                <a:solidFill>
+                  <a:schemeClr val="bg1"/>
+                </a:solidFill>
+                <a:effectLst>
+                  <a:outerShdw blurRad="38100" dist="38100" dir="2700000" algn="tl">
+                    <a:srgbClr val="000000">
+                      <a:alpha val="43137"/>
+                    </a:srgbClr>
+                  </a:outerShdw>
+                </a:effectLst>
+                <a:latin typeface="+mn-lt"/>
+              </a:rPr>
+              <a:t>)</a:t>
+            </a:r>
+            <a:endParaRPr lang="en-US" b="1" i="1" dirty="0">
               <a:solidFill>
                 <a:schemeClr val="bg1"/>
               </a:solidFill>
+              <a:effectLst>
+                <a:outerShdw blurRad="38100" dist="38100" dir="2700000" algn="tl">
+                  <a:srgbClr val="000000">
+                    <a:alpha val="43137"/>
+                  </a:srgbClr>
+                </a:outerShdw>
+              </a:effectLst>
               <a:latin typeface="+mn-lt"/>
             </a:endParaRPr>
           </a:p>
@@ -3473,7 +3534,7 @@
           <p:cNvPr id="3" name="Подзаголовок 2">
             <a:extLst>
               <a:ext uri="{FF2B5EF4-FFF2-40B4-BE49-F238E27FC236}">
-                <a16:creationId xmlns="" xmlns:a16="http://schemas.microsoft.com/office/drawing/2014/main" id="{E54DF293-8061-418B-B390-F97DF0DF645F}"/>
+                <a16:creationId xmlns:a16="http://schemas.microsoft.com/office/drawing/2014/main" xmlns="" id="{E54DF293-8061-418B-B390-F97DF0DF645F}"/>
               </a:ext>
             </a:extLst>
           </p:cNvPr>
@@ -3486,8 +3547,8 @@
         </p:nvSpPr>
         <p:spPr>
           <a:xfrm>
-            <a:off x="1052945" y="3334183"/>
-            <a:ext cx="9144000" cy="1655762"/>
+            <a:off x="1123283" y="4002398"/>
+            <a:ext cx="5781609" cy="1655762"/>
           </a:xfrm>
         </p:spPr>
         <p:txBody>
@@ -3496,12 +3557,20 @@
           <a:p>
             <a:pPr algn="l"/>
             <a:r>
+              <a:rPr lang="en-US" b="1" dirty="0" smtClean="0">
+                <a:solidFill>
+                  <a:srgbClr val="FEAB38"/>
+                </a:solidFill>
+              </a:rPr>
+              <a:t>1</a:t>
+            </a:r>
+            <a:r>
               <a:rPr lang="en-US" dirty="0" smtClean="0">
                 <a:solidFill>
                   <a:srgbClr val="FEAB38"/>
                 </a:solidFill>
               </a:rPr>
-              <a:t>1 </a:t>
+              <a:t> </a:t>
             </a:r>
             <a:r>
               <a:rPr lang="ru-RU" dirty="0" smtClean="0">
@@ -3520,7 +3589,23 @@
                   <a:srgbClr val="FEAB38"/>
                 </a:solidFill>
               </a:rPr>
-              <a:t>ПМИ 1 группа</a:t>
+              <a:t>ПМИ </a:t>
+            </a:r>
+            <a:r>
+              <a:rPr lang="ru-RU" b="1" dirty="0" smtClean="0">
+                <a:solidFill>
+                  <a:srgbClr val="FEAB38"/>
+                </a:solidFill>
+              </a:rPr>
+              <a:t>1</a:t>
+            </a:r>
+            <a:r>
+              <a:rPr lang="ru-RU" dirty="0" smtClean="0">
+                <a:solidFill>
+                  <a:srgbClr val="FEAB38"/>
+                </a:solidFill>
+              </a:rPr>
+              <a:t> группа</a:t>
             </a:r>
             <a:endParaRPr lang="en-US" dirty="0">
               <a:solidFill>
@@ -3530,6 +3615,47 @@
           </a:p>
         </p:txBody>
       </p:sp>
+      <p:pic>
+        <p:nvPicPr>
+          <p:cNvPr id="1026" name="Picture 2" descr="photo"/>
+          <p:cNvPicPr>
+            <a:picLocks noChangeAspect="1" noChangeArrowheads="1"/>
+          </p:cNvPicPr>
+          <p:nvPr/>
+        </p:nvPicPr>
+        <p:blipFill>
+          <a:blip r:embed="rId2">
+            <a:extLst>
+              <a:ext uri="{28A0092B-C50C-407E-A947-70E740481C1C}">
+                <a14:useLocalDpi xmlns:a14="http://schemas.microsoft.com/office/drawing/2010/main" val="0"/>
+              </a:ext>
+            </a:extLst>
+          </a:blip>
+          <a:srcRect/>
+          <a:stretch>
+            <a:fillRect/>
+          </a:stretch>
+        </p:blipFill>
+        <p:spPr bwMode="auto">
+          <a:xfrm>
+            <a:off x="4282094" y="2267559"/>
+            <a:ext cx="3607871" cy="1741732"/>
+          </a:xfrm>
+          <a:prstGeom prst="rect">
+            <a:avLst/>
+          </a:prstGeom>
+          <a:noFill/>
+          <a:extLst>
+            <a:ext uri="{909E8E84-426E-40DD-AFC4-6F175D3DCCD1}">
+              <a14:hiddenFill xmlns:a14="http://schemas.microsoft.com/office/drawing/2010/main">
+                <a:solidFill>
+                  <a:srgbClr val="FFFFFF"/>
+                </a:solidFill>
+              </a14:hiddenFill>
+            </a:ext>
+          </a:extLst>
+        </p:spPr>
+      </p:pic>
     </p:spTree>
     <p:extLst>
       <p:ext uri="{BB962C8B-B14F-4D97-AF65-F5344CB8AC3E}">
@@ -3572,7 +3698,7 @@
           <p:cNvPr id="2" name="Заголовок 1">
             <a:extLst>
               <a:ext uri="{FF2B5EF4-FFF2-40B4-BE49-F238E27FC236}">
-                <a16:creationId xmlns="" xmlns:a16="http://schemas.microsoft.com/office/drawing/2014/main" id="{30C3CCA5-BE65-4E20-A59E-B0728B8A62B9}"/>
+                <a16:creationId xmlns:a16="http://schemas.microsoft.com/office/drawing/2014/main" xmlns="" id="{30C3CCA5-BE65-4E20-A59E-B0728B8A62B9}"/>
               </a:ext>
             </a:extLst>
           </p:cNvPr>
@@ -3595,14 +3721,14 @@
           <a:p>
             <a:pPr algn="ctr"/>
             <a:r>
-              <a:rPr lang="ru-RU" dirty="0">
+              <a:rPr lang="ru-RU" b="1" dirty="0">
                 <a:solidFill>
                   <a:schemeClr val="bg1"/>
                 </a:solidFill>
               </a:rPr>
               <a:t>Распределение обязанностей:</a:t>
             </a:r>
-            <a:endParaRPr lang="en-US" dirty="0">
+            <a:endParaRPr lang="en-US" b="1" dirty="0">
               <a:solidFill>
                 <a:schemeClr val="bg1"/>
               </a:solidFill>
@@ -3615,7 +3741,7 @@
           <p:cNvPr id="14" name="Group 12">
             <a:extLst>
               <a:ext uri="{FF2B5EF4-FFF2-40B4-BE49-F238E27FC236}">
-                <a16:creationId xmlns="" xmlns:a16="http://schemas.microsoft.com/office/drawing/2014/main" id="{7B179BEF-4121-494B-ABA7-709761B81967}"/>
+                <a16:creationId xmlns:a16="http://schemas.microsoft.com/office/drawing/2014/main" xmlns="" id="{7B179BEF-4121-494B-ABA7-709761B81967}"/>
               </a:ext>
             </a:extLst>
           </p:cNvPr>
@@ -3637,7 +3763,7 @@
             <p:cNvPr id="15" name="Line 13">
               <a:extLst>
                 <a:ext uri="{FF2B5EF4-FFF2-40B4-BE49-F238E27FC236}">
-                  <a16:creationId xmlns="" xmlns:a16="http://schemas.microsoft.com/office/drawing/2014/main" id="{EE91C1AE-3094-426C-857A-D6AD9558D73F}"/>
+                  <a16:creationId xmlns:a16="http://schemas.microsoft.com/office/drawing/2014/main" xmlns="" id="{EE91C1AE-3094-426C-857A-D6AD9558D73F}"/>
                 </a:ext>
               </a:extLst>
             </p:cNvPr>
@@ -3699,7 +3825,7 @@
             <p:cNvPr id="17" name="Text Box 15">
               <a:extLst>
                 <a:ext uri="{FF2B5EF4-FFF2-40B4-BE49-F238E27FC236}">
-                  <a16:creationId xmlns="" xmlns:a16="http://schemas.microsoft.com/office/drawing/2014/main" id="{91ED4917-0A38-4E0B-B49D-0B93E993AFFC}"/>
+                  <a16:creationId xmlns:a16="http://schemas.microsoft.com/office/drawing/2014/main" xmlns="" id="{91ED4917-0A38-4E0B-B49D-0B93E993AFFC}"/>
                 </a:ext>
               </a:extLst>
             </p:cNvPr>
@@ -3770,7 +3896,7 @@
             <p:cNvPr id="18" name="Text Box 16">
               <a:extLst>
                 <a:ext uri="{FF2B5EF4-FFF2-40B4-BE49-F238E27FC236}">
-                  <a16:creationId xmlns="" xmlns:a16="http://schemas.microsoft.com/office/drawing/2014/main" id="{E1894DB6-D16C-4BE1-8788-86DFD577FCBE}"/>
+                  <a16:creationId xmlns:a16="http://schemas.microsoft.com/office/drawing/2014/main" xmlns="" id="{E1894DB6-D16C-4BE1-8788-86DFD577FCBE}"/>
                 </a:ext>
               </a:extLst>
             </p:cNvPr>
@@ -3841,7 +3967,7 @@
           <p:cNvPr id="24" name="Group 22">
             <a:extLst>
               <a:ext uri="{FF2B5EF4-FFF2-40B4-BE49-F238E27FC236}">
-                <a16:creationId xmlns="" xmlns:a16="http://schemas.microsoft.com/office/drawing/2014/main" id="{016BA95F-A295-459A-BBC9-0E7D90222DB5}"/>
+                <a16:creationId xmlns:a16="http://schemas.microsoft.com/office/drawing/2014/main" xmlns="" id="{016BA95F-A295-459A-BBC9-0E7D90222DB5}"/>
               </a:ext>
             </a:extLst>
           </p:cNvPr>
@@ -3863,7 +3989,7 @@
             <p:cNvPr id="25" name="Line 23">
               <a:extLst>
                 <a:ext uri="{FF2B5EF4-FFF2-40B4-BE49-F238E27FC236}">
-                  <a16:creationId xmlns="" xmlns:a16="http://schemas.microsoft.com/office/drawing/2014/main" id="{23946A5B-88E7-4347-9409-1806EC005BFE}"/>
+                  <a16:creationId xmlns:a16="http://schemas.microsoft.com/office/drawing/2014/main" xmlns="" id="{23946A5B-88E7-4347-9409-1806EC005BFE}"/>
                 </a:ext>
               </a:extLst>
             </p:cNvPr>
@@ -3925,7 +4051,7 @@
             <p:cNvPr id="27" name="Text Box 25">
               <a:extLst>
                 <a:ext uri="{FF2B5EF4-FFF2-40B4-BE49-F238E27FC236}">
-                  <a16:creationId xmlns="" xmlns:a16="http://schemas.microsoft.com/office/drawing/2014/main" id="{6C742693-53AA-4658-9F33-6DA400FDDF68}"/>
+                  <a16:creationId xmlns:a16="http://schemas.microsoft.com/office/drawing/2014/main" xmlns="" id="{6C742693-53AA-4658-9F33-6DA400FDDF68}"/>
                 </a:ext>
               </a:extLst>
             </p:cNvPr>
@@ -3997,7 +4123,7 @@
           <p:cNvPr id="29" name="Rectangle 9">
             <a:extLst>
               <a:ext uri="{FF2B5EF4-FFF2-40B4-BE49-F238E27FC236}">
-                <a16:creationId xmlns="" xmlns:a16="http://schemas.microsoft.com/office/drawing/2014/main" id="{B4B953B8-892C-45DE-BDC0-E5A4101C995B}"/>
+                <a16:creationId xmlns:a16="http://schemas.microsoft.com/office/drawing/2014/main" xmlns="" id="{B4B953B8-892C-45DE-BDC0-E5A4101C995B}"/>
               </a:ext>
             </a:extLst>
           </p:cNvPr>
@@ -4079,7 +4205,7 @@
           <p:cNvPr id="30" name="Rectangle 9">
             <a:extLst>
               <a:ext uri="{FF2B5EF4-FFF2-40B4-BE49-F238E27FC236}">
-                <a16:creationId xmlns="" xmlns:a16="http://schemas.microsoft.com/office/drawing/2014/main" id="{DC114939-C515-4DD6-A471-99C9D4386194}"/>
+                <a16:creationId xmlns:a16="http://schemas.microsoft.com/office/drawing/2014/main" xmlns="" id="{DC114939-C515-4DD6-A471-99C9D4386194}"/>
               </a:ext>
             </a:extLst>
           </p:cNvPr>
@@ -4161,7 +4287,7 @@
           <p:cNvPr id="31" name="Rectangle 9">
             <a:extLst>
               <a:ext uri="{FF2B5EF4-FFF2-40B4-BE49-F238E27FC236}">
-                <a16:creationId xmlns="" xmlns:a16="http://schemas.microsoft.com/office/drawing/2014/main" id="{F6E00D19-EAF0-4F4B-AD82-103AACEE5551}"/>
+                <a16:creationId xmlns:a16="http://schemas.microsoft.com/office/drawing/2014/main" xmlns="" id="{F6E00D19-EAF0-4F4B-AD82-103AACEE5551}"/>
               </a:ext>
             </a:extLst>
           </p:cNvPr>
@@ -4243,7 +4369,7 @@
           <p:cNvPr id="33" name="TextBox 32">
             <a:extLst>
               <a:ext uri="{FF2B5EF4-FFF2-40B4-BE49-F238E27FC236}">
-                <a16:creationId xmlns="" xmlns:a16="http://schemas.microsoft.com/office/drawing/2014/main" id="{0B8CA948-9E89-463F-9BB5-3DA707B507BF}"/>
+                <a16:creationId xmlns:a16="http://schemas.microsoft.com/office/drawing/2014/main" xmlns="" id="{0B8CA948-9E89-463F-9BB5-3DA707B507BF}"/>
               </a:ext>
             </a:extLst>
           </p:cNvPr>
@@ -4303,7 +4429,7 @@
           <p:cNvPr id="39" name="TextBox 38">
             <a:extLst>
               <a:ext uri="{FF2B5EF4-FFF2-40B4-BE49-F238E27FC236}">
-                <a16:creationId xmlns="" xmlns:a16="http://schemas.microsoft.com/office/drawing/2014/main" id="{94E16FDB-8534-4E8E-910B-6580B9BAD713}"/>
+                <a16:creationId xmlns:a16="http://schemas.microsoft.com/office/drawing/2014/main" xmlns="" id="{94E16FDB-8534-4E8E-910B-6580B9BAD713}"/>
               </a:ext>
             </a:extLst>
           </p:cNvPr>
@@ -4342,7 +4468,7 @@
           <p:cNvPr id="40" name="TextBox 39">
             <a:extLst>
               <a:ext uri="{FF2B5EF4-FFF2-40B4-BE49-F238E27FC236}">
-                <a16:creationId xmlns="" xmlns:a16="http://schemas.microsoft.com/office/drawing/2014/main" id="{EA641E10-5F48-4C8B-85B4-B5211D2C877D}"/>
+                <a16:creationId xmlns:a16="http://schemas.microsoft.com/office/drawing/2014/main" xmlns="" id="{EA641E10-5F48-4C8B-85B4-B5211D2C877D}"/>
               </a:ext>
             </a:extLst>
           </p:cNvPr>
@@ -4381,7 +4507,7 @@
           <p:cNvPr id="41" name="TextBox 40">
             <a:extLst>
               <a:ext uri="{FF2B5EF4-FFF2-40B4-BE49-F238E27FC236}">
-                <a16:creationId xmlns="" xmlns:a16="http://schemas.microsoft.com/office/drawing/2014/main" id="{2ED2D03A-827B-4986-8504-01F178821A05}"/>
+                <a16:creationId xmlns:a16="http://schemas.microsoft.com/office/drawing/2014/main" xmlns="" id="{2ED2D03A-827B-4986-8504-01F178821A05}"/>
               </a:ext>
             </a:extLst>
           </p:cNvPr>
@@ -4433,7 +4559,7 @@
           <p:cNvPr id="42" name="Group 22">
             <a:extLst>
               <a:ext uri="{FF2B5EF4-FFF2-40B4-BE49-F238E27FC236}">
-                <a16:creationId xmlns="" xmlns:a16="http://schemas.microsoft.com/office/drawing/2014/main" id="{CE0CCE09-E341-418D-B756-C5B09CE10E16}"/>
+                <a16:creationId xmlns:a16="http://schemas.microsoft.com/office/drawing/2014/main" xmlns="" id="{CE0CCE09-E341-418D-B756-C5B09CE10E16}"/>
               </a:ext>
             </a:extLst>
           </p:cNvPr>
@@ -4455,7 +4581,7 @@
             <p:cNvPr id="43" name="Line 23">
               <a:extLst>
                 <a:ext uri="{FF2B5EF4-FFF2-40B4-BE49-F238E27FC236}">
-                  <a16:creationId xmlns="" xmlns:a16="http://schemas.microsoft.com/office/drawing/2014/main" id="{68B03862-0CC4-4F1B-BBFF-E04C3AD135CF}"/>
+                  <a16:creationId xmlns:a16="http://schemas.microsoft.com/office/drawing/2014/main" xmlns="" id="{68B03862-0CC4-4F1B-BBFF-E04C3AD135CF}"/>
                 </a:ext>
               </a:extLst>
             </p:cNvPr>
@@ -4517,7 +4643,7 @@
             <p:cNvPr id="44" name="Text Box 25">
               <a:extLst>
                 <a:ext uri="{FF2B5EF4-FFF2-40B4-BE49-F238E27FC236}">
-                  <a16:creationId xmlns="" xmlns:a16="http://schemas.microsoft.com/office/drawing/2014/main" id="{2FFF89EF-3BC5-4A5C-9E81-809FB8A0BDF2}"/>
+                  <a16:creationId xmlns:a16="http://schemas.microsoft.com/office/drawing/2014/main" xmlns="" id="{2FFF89EF-3BC5-4A5C-9E81-809FB8A0BDF2}"/>
                 </a:ext>
               </a:extLst>
             </p:cNvPr>
@@ -4589,7 +4715,7 @@
           <p:cNvPr id="9" name="Group 7">
             <a:extLst>
               <a:ext uri="{FF2B5EF4-FFF2-40B4-BE49-F238E27FC236}">
-                <a16:creationId xmlns="" xmlns:a16="http://schemas.microsoft.com/office/drawing/2014/main" id="{9FFE6325-072E-41E9-90B5-BE6DF00D3D6E}"/>
+                <a16:creationId xmlns:a16="http://schemas.microsoft.com/office/drawing/2014/main" xmlns="" id="{9FFE6325-072E-41E9-90B5-BE6DF00D3D6E}"/>
               </a:ext>
             </a:extLst>
           </p:cNvPr>
@@ -4611,7 +4737,7 @@
             <p:cNvPr id="10" name="Line 8">
               <a:extLst>
                 <a:ext uri="{FF2B5EF4-FFF2-40B4-BE49-F238E27FC236}">
-                  <a16:creationId xmlns="" xmlns:a16="http://schemas.microsoft.com/office/drawing/2014/main" id="{835C2964-0A56-43DE-AF4F-FD6491BACF24}"/>
+                  <a16:creationId xmlns:a16="http://schemas.microsoft.com/office/drawing/2014/main" xmlns="" id="{835C2964-0A56-43DE-AF4F-FD6491BACF24}"/>
                 </a:ext>
               </a:extLst>
             </p:cNvPr>
@@ -4673,7 +4799,7 @@
             <p:cNvPr id="11" name="Rectangle 9">
               <a:extLst>
                 <a:ext uri="{FF2B5EF4-FFF2-40B4-BE49-F238E27FC236}">
-                  <a16:creationId xmlns="" xmlns:a16="http://schemas.microsoft.com/office/drawing/2014/main" id="{2B675FC5-C0CC-44FD-8847-BC73292D36ED}"/>
+                  <a16:creationId xmlns:a16="http://schemas.microsoft.com/office/drawing/2014/main" xmlns="" id="{2B675FC5-C0CC-44FD-8847-BC73292D36ED}"/>
                 </a:ext>
               </a:extLst>
             </p:cNvPr>
@@ -4755,7 +4881,7 @@
             <p:cNvPr id="12" name="Text Box 10">
               <a:extLst>
                 <a:ext uri="{FF2B5EF4-FFF2-40B4-BE49-F238E27FC236}">
-                  <a16:creationId xmlns="" xmlns:a16="http://schemas.microsoft.com/office/drawing/2014/main" id="{66D46394-4603-4585-BBC2-E572695EDC7C}"/>
+                  <a16:creationId xmlns:a16="http://schemas.microsoft.com/office/drawing/2014/main" xmlns="" id="{66D46394-4603-4585-BBC2-E572695EDC7C}"/>
                 </a:ext>
               </a:extLst>
             </p:cNvPr>
@@ -4834,7 +4960,7 @@
             <p:cNvPr id="13" name="Text Box 11">
               <a:extLst>
                 <a:ext uri="{FF2B5EF4-FFF2-40B4-BE49-F238E27FC236}">
-                  <a16:creationId xmlns="" xmlns:a16="http://schemas.microsoft.com/office/drawing/2014/main" id="{23446F60-9D7D-4A11-9282-5B62FF9F42C7}"/>
+                  <a16:creationId xmlns:a16="http://schemas.microsoft.com/office/drawing/2014/main" xmlns="" id="{23446F60-9D7D-4A11-9282-5B62FF9F42C7}"/>
                 </a:ext>
               </a:extLst>
             </p:cNvPr>
@@ -4905,7 +5031,7 @@
           <p:cNvPr id="45" name="TextBox 44">
             <a:extLst>
               <a:ext uri="{FF2B5EF4-FFF2-40B4-BE49-F238E27FC236}">
-                <a16:creationId xmlns="" xmlns:a16="http://schemas.microsoft.com/office/drawing/2014/main" id="{DD04FCEA-E512-46D7-A193-7B0096E0FA1A}"/>
+                <a16:creationId xmlns:a16="http://schemas.microsoft.com/office/drawing/2014/main" xmlns="" id="{DD04FCEA-E512-46D7-A193-7B0096E0FA1A}"/>
               </a:ext>
             </a:extLst>
           </p:cNvPr>
@@ -4944,7 +5070,7 @@
           <p:cNvPr id="53" name="Group 12">
             <a:extLst>
               <a:ext uri="{FF2B5EF4-FFF2-40B4-BE49-F238E27FC236}">
-                <a16:creationId xmlns="" xmlns:a16="http://schemas.microsoft.com/office/drawing/2014/main" id="{C28DB6B3-A36C-446E-9E77-B3D72194D2F1}"/>
+                <a16:creationId xmlns:a16="http://schemas.microsoft.com/office/drawing/2014/main" xmlns="" id="{C28DB6B3-A36C-446E-9E77-B3D72194D2F1}"/>
               </a:ext>
             </a:extLst>
           </p:cNvPr>
@@ -4966,7 +5092,7 @@
             <p:cNvPr id="54" name="Line 13">
               <a:extLst>
                 <a:ext uri="{FF2B5EF4-FFF2-40B4-BE49-F238E27FC236}">
-                  <a16:creationId xmlns="" xmlns:a16="http://schemas.microsoft.com/office/drawing/2014/main" id="{2297EF03-3A8C-4C7D-98EA-916DEE08D9AB}"/>
+                  <a16:creationId xmlns:a16="http://schemas.microsoft.com/office/drawing/2014/main" xmlns="" id="{2297EF03-3A8C-4C7D-98EA-916DEE08D9AB}"/>
                 </a:ext>
               </a:extLst>
             </p:cNvPr>
@@ -5028,7 +5154,7 @@
             <p:cNvPr id="55" name="Text Box 15">
               <a:extLst>
                 <a:ext uri="{FF2B5EF4-FFF2-40B4-BE49-F238E27FC236}">
-                  <a16:creationId xmlns="" xmlns:a16="http://schemas.microsoft.com/office/drawing/2014/main" id="{1CC996F5-AE85-4D97-BC4D-02C1C71FEE33}"/>
+                  <a16:creationId xmlns:a16="http://schemas.microsoft.com/office/drawing/2014/main" xmlns="" id="{1CC996F5-AE85-4D97-BC4D-02C1C71FEE33}"/>
                 </a:ext>
               </a:extLst>
             </p:cNvPr>
@@ -5099,7 +5225,7 @@
             <p:cNvPr id="56" name="Text Box 16">
               <a:extLst>
                 <a:ext uri="{FF2B5EF4-FFF2-40B4-BE49-F238E27FC236}">
-                  <a16:creationId xmlns="" xmlns:a16="http://schemas.microsoft.com/office/drawing/2014/main" id="{406BB248-8A23-4159-A1B8-017449F4737C}"/>
+                  <a16:creationId xmlns:a16="http://schemas.microsoft.com/office/drawing/2014/main" xmlns="" id="{406BB248-8A23-4159-A1B8-017449F4737C}"/>
                 </a:ext>
               </a:extLst>
             </p:cNvPr>
@@ -5170,7 +5296,7 @@
           <p:cNvPr id="61" name="TextBox 60">
             <a:extLst>
               <a:ext uri="{FF2B5EF4-FFF2-40B4-BE49-F238E27FC236}">
-                <a16:creationId xmlns="" xmlns:a16="http://schemas.microsoft.com/office/drawing/2014/main" id="{CBF70E5F-5124-4EA3-A246-38FFA952B007}"/>
+                <a16:creationId xmlns:a16="http://schemas.microsoft.com/office/drawing/2014/main" xmlns="" id="{CBF70E5F-5124-4EA3-A246-38FFA952B007}"/>
               </a:ext>
             </a:extLst>
           </p:cNvPr>
@@ -5209,7 +5335,7 @@
           <p:cNvPr id="62" name="TextBox 61">
             <a:extLst>
               <a:ext uri="{FF2B5EF4-FFF2-40B4-BE49-F238E27FC236}">
-                <a16:creationId xmlns="" xmlns:a16="http://schemas.microsoft.com/office/drawing/2014/main" id="{63D45DCA-805F-4AF3-801D-308736D76F71}"/>
+                <a16:creationId xmlns:a16="http://schemas.microsoft.com/office/drawing/2014/main" xmlns="" id="{63D45DCA-805F-4AF3-801D-308736D76F71}"/>
               </a:ext>
             </a:extLst>
           </p:cNvPr>
@@ -5248,7 +5374,7 @@
           <p:cNvPr id="63" name="TextBox 62">
             <a:extLst>
               <a:ext uri="{FF2B5EF4-FFF2-40B4-BE49-F238E27FC236}">
-                <a16:creationId xmlns="" xmlns:a16="http://schemas.microsoft.com/office/drawing/2014/main" id="{7F4BDD15-3F66-4C65-89BE-685F63C36B06}"/>
+                <a16:creationId xmlns:a16="http://schemas.microsoft.com/office/drawing/2014/main" xmlns="" id="{7F4BDD15-3F66-4C65-89BE-685F63C36B06}"/>
               </a:ext>
             </a:extLst>
           </p:cNvPr>
@@ -5287,7 +5413,7 @@
           <p:cNvPr id="64" name="TextBox 63">
             <a:extLst>
               <a:ext uri="{FF2B5EF4-FFF2-40B4-BE49-F238E27FC236}">
-                <a16:creationId xmlns="" xmlns:a16="http://schemas.microsoft.com/office/drawing/2014/main" id="{1FC60C72-52B2-48BE-B446-25215312291F}"/>
+                <a16:creationId xmlns:a16="http://schemas.microsoft.com/office/drawing/2014/main" xmlns="" id="{1FC60C72-52B2-48BE-B446-25215312291F}"/>
               </a:ext>
             </a:extLst>
           </p:cNvPr>
@@ -5326,7 +5452,7 @@
           <p:cNvPr id="65" name="TextBox 64">
             <a:extLst>
               <a:ext uri="{FF2B5EF4-FFF2-40B4-BE49-F238E27FC236}">
-                <a16:creationId xmlns="" xmlns:a16="http://schemas.microsoft.com/office/drawing/2014/main" id="{FBBED830-03A1-48FD-B307-310FBFC768A4}"/>
+                <a16:creationId xmlns:a16="http://schemas.microsoft.com/office/drawing/2014/main" xmlns="" id="{FBBED830-03A1-48FD-B307-310FBFC768A4}"/>
               </a:ext>
             </a:extLst>
           </p:cNvPr>
@@ -5365,7 +5491,7 @@
           <p:cNvPr id="66" name="Rectangle 9">
             <a:extLst>
               <a:ext uri="{FF2B5EF4-FFF2-40B4-BE49-F238E27FC236}">
-                <a16:creationId xmlns="" xmlns:a16="http://schemas.microsoft.com/office/drawing/2014/main" id="{CE601E6A-3DCD-4903-B4C1-1E4FD2F7F72B}"/>
+                <a16:creationId xmlns:a16="http://schemas.microsoft.com/office/drawing/2014/main" xmlns="" id="{CE601E6A-3DCD-4903-B4C1-1E4FD2F7F72B}"/>
               </a:ext>
             </a:extLst>
           </p:cNvPr>
@@ -5447,7 +5573,7 @@
           <p:cNvPr id="67" name="TextBox 66">
             <a:extLst>
               <a:ext uri="{FF2B5EF4-FFF2-40B4-BE49-F238E27FC236}">
-                <a16:creationId xmlns="" xmlns:a16="http://schemas.microsoft.com/office/drawing/2014/main" id="{5886F6AC-6EA9-4A33-9F04-FD2964D83028}"/>
+                <a16:creationId xmlns:a16="http://schemas.microsoft.com/office/drawing/2014/main" xmlns="" id="{5886F6AC-6EA9-4A33-9F04-FD2964D83028}"/>
               </a:ext>
             </a:extLst>
           </p:cNvPr>
@@ -5486,7 +5612,7 @@
           <p:cNvPr id="68" name="Line 13">
             <a:extLst>
               <a:ext uri="{FF2B5EF4-FFF2-40B4-BE49-F238E27FC236}">
-                <a16:creationId xmlns="" xmlns:a16="http://schemas.microsoft.com/office/drawing/2014/main" id="{DC3DDCC4-48F8-4F12-B66E-B0AE833ECA22}"/>
+                <a16:creationId xmlns:a16="http://schemas.microsoft.com/office/drawing/2014/main" xmlns="" id="{DC3DDCC4-48F8-4F12-B66E-B0AE833ECA22}"/>
               </a:ext>
             </a:extLst>
           </p:cNvPr>
@@ -5548,7 +5674,7 @@
           <p:cNvPr id="69" name="Rectangle 9">
             <a:extLst>
               <a:ext uri="{FF2B5EF4-FFF2-40B4-BE49-F238E27FC236}">
-                <a16:creationId xmlns="" xmlns:a16="http://schemas.microsoft.com/office/drawing/2014/main" id="{65E159F9-ED6C-488E-87A7-D938323AA9D0}"/>
+                <a16:creationId xmlns:a16="http://schemas.microsoft.com/office/drawing/2014/main" xmlns="" id="{65E159F9-ED6C-488E-87A7-D938323AA9D0}"/>
               </a:ext>
             </a:extLst>
           </p:cNvPr>
@@ -5630,7 +5756,7 @@
           <p:cNvPr id="70" name="TextBox 69">
             <a:extLst>
               <a:ext uri="{FF2B5EF4-FFF2-40B4-BE49-F238E27FC236}">
-                <a16:creationId xmlns="" xmlns:a16="http://schemas.microsoft.com/office/drawing/2014/main" id="{3B93D9C0-9C23-450F-BC02-35BB679F99F7}"/>
+                <a16:creationId xmlns:a16="http://schemas.microsoft.com/office/drawing/2014/main" xmlns="" id="{3B93D9C0-9C23-450F-BC02-35BB679F99F7}"/>
               </a:ext>
             </a:extLst>
           </p:cNvPr>
@@ -5669,7 +5795,7 @@
           <p:cNvPr id="71" name="TextBox 70">
             <a:extLst>
               <a:ext uri="{FF2B5EF4-FFF2-40B4-BE49-F238E27FC236}">
-                <a16:creationId xmlns="" xmlns:a16="http://schemas.microsoft.com/office/drawing/2014/main" id="{0C6A9134-DDA1-4356-8A9B-41AB3CEC2E86}"/>
+                <a16:creationId xmlns:a16="http://schemas.microsoft.com/office/drawing/2014/main" xmlns="" id="{0C6A9134-DDA1-4356-8A9B-41AB3CEC2E86}"/>
               </a:ext>
             </a:extLst>
           </p:cNvPr>
@@ -5708,7 +5834,7 @@
           <p:cNvPr id="72" name="TextBox 71">
             <a:extLst>
               <a:ext uri="{FF2B5EF4-FFF2-40B4-BE49-F238E27FC236}">
-                <a16:creationId xmlns="" xmlns:a16="http://schemas.microsoft.com/office/drawing/2014/main" id="{A17BD846-85A5-4C1B-97CF-01E5A3F6E06D}"/>
+                <a16:creationId xmlns:a16="http://schemas.microsoft.com/office/drawing/2014/main" xmlns="" id="{A17BD846-85A5-4C1B-97CF-01E5A3F6E06D}"/>
               </a:ext>
             </a:extLst>
           </p:cNvPr>
@@ -5785,7 +5911,7 @@
           <p:cNvPr id="46" name="Rectangle 9">
             <a:extLst>
               <a:ext uri="{FF2B5EF4-FFF2-40B4-BE49-F238E27FC236}">
-                <a16:creationId xmlns="" xmlns:a16="http://schemas.microsoft.com/office/drawing/2014/main" id="{DC114939-C515-4DD6-A471-99C9D4386194}"/>
+                <a16:creationId xmlns:a16="http://schemas.microsoft.com/office/drawing/2014/main" xmlns="" id="{DC114939-C515-4DD6-A471-99C9D4386194}"/>
               </a:ext>
             </a:extLst>
           </p:cNvPr>
@@ -5867,7 +5993,7 @@
           <p:cNvPr id="47" name="TextBox 46">
             <a:extLst>
               <a:ext uri="{FF2B5EF4-FFF2-40B4-BE49-F238E27FC236}">
-                <a16:creationId xmlns="" xmlns:a16="http://schemas.microsoft.com/office/drawing/2014/main" id="{94E16FDB-8534-4E8E-910B-6580B9BAD713}"/>
+                <a16:creationId xmlns:a16="http://schemas.microsoft.com/office/drawing/2014/main" xmlns="" id="{94E16FDB-8534-4E8E-910B-6580B9BAD713}"/>
               </a:ext>
             </a:extLst>
           </p:cNvPr>
@@ -5911,7 +6037,7 @@
           <p:cNvPr id="48" name="TextBox 47">
             <a:extLst>
               <a:ext uri="{FF2B5EF4-FFF2-40B4-BE49-F238E27FC236}">
-                <a16:creationId xmlns="" xmlns:a16="http://schemas.microsoft.com/office/drawing/2014/main" id="{FBBED830-03A1-48FD-B307-310FBFC768A4}"/>
+                <a16:creationId xmlns:a16="http://schemas.microsoft.com/office/drawing/2014/main" xmlns="" id="{FBBED830-03A1-48FD-B307-310FBFC768A4}"/>
               </a:ext>
             </a:extLst>
           </p:cNvPr>
@@ -5955,7 +6081,7 @@
           <p:cNvPr id="49" name="Rectangle 9">
             <a:extLst>
               <a:ext uri="{FF2B5EF4-FFF2-40B4-BE49-F238E27FC236}">
-                <a16:creationId xmlns="" xmlns:a16="http://schemas.microsoft.com/office/drawing/2014/main" id="{DC114939-C515-4DD6-A471-99C9D4386194}"/>
+                <a16:creationId xmlns:a16="http://schemas.microsoft.com/office/drawing/2014/main" xmlns="" id="{DC114939-C515-4DD6-A471-99C9D4386194}"/>
               </a:ext>
             </a:extLst>
           </p:cNvPr>
@@ -6037,7 +6163,7 @@
           <p:cNvPr id="50" name="TextBox 49">
             <a:extLst>
               <a:ext uri="{FF2B5EF4-FFF2-40B4-BE49-F238E27FC236}">
-                <a16:creationId xmlns="" xmlns:a16="http://schemas.microsoft.com/office/drawing/2014/main" id="{94E16FDB-8534-4E8E-910B-6580B9BAD713}"/>
+                <a16:creationId xmlns:a16="http://schemas.microsoft.com/office/drawing/2014/main" xmlns="" id="{94E16FDB-8534-4E8E-910B-6580B9BAD713}"/>
               </a:ext>
             </a:extLst>
           </p:cNvPr>
@@ -6089,7 +6215,7 @@
           <p:cNvPr id="51" name="TextBox 50">
             <a:extLst>
               <a:ext uri="{FF2B5EF4-FFF2-40B4-BE49-F238E27FC236}">
-                <a16:creationId xmlns="" xmlns:a16="http://schemas.microsoft.com/office/drawing/2014/main" id="{FBBED830-03A1-48FD-B307-310FBFC768A4}"/>
+                <a16:creationId xmlns:a16="http://schemas.microsoft.com/office/drawing/2014/main" xmlns="" id="{FBBED830-03A1-48FD-B307-310FBFC768A4}"/>
               </a:ext>
             </a:extLst>
           </p:cNvPr>
@@ -6128,7 +6254,7 @@
           <p:cNvPr id="52" name="Line 13">
             <a:extLst>
               <a:ext uri="{FF2B5EF4-FFF2-40B4-BE49-F238E27FC236}">
-                <a16:creationId xmlns="" xmlns:a16="http://schemas.microsoft.com/office/drawing/2014/main" id="{DC3DDCC4-48F8-4F12-B66E-B0AE833ECA22}"/>
+                <a16:creationId xmlns:a16="http://schemas.microsoft.com/office/drawing/2014/main" xmlns="" id="{DC3DDCC4-48F8-4F12-B66E-B0AE833ECA22}"/>
               </a:ext>
             </a:extLst>
           </p:cNvPr>
@@ -6190,7 +6316,7 @@
           <p:cNvPr id="57" name="Line 13">
             <a:extLst>
               <a:ext uri="{FF2B5EF4-FFF2-40B4-BE49-F238E27FC236}">
-                <a16:creationId xmlns="" xmlns:a16="http://schemas.microsoft.com/office/drawing/2014/main" id="{DC3DDCC4-48F8-4F12-B66E-B0AE833ECA22}"/>
+                <a16:creationId xmlns:a16="http://schemas.microsoft.com/office/drawing/2014/main" xmlns="" id="{DC3DDCC4-48F8-4F12-B66E-B0AE833ECA22}"/>
               </a:ext>
             </a:extLst>
           </p:cNvPr>
@@ -6289,7 +6415,7 @@
           <p:cNvPr id="2" name="Заголовок 1">
             <a:extLst>
               <a:ext uri="{FF2B5EF4-FFF2-40B4-BE49-F238E27FC236}">
-                <a16:creationId xmlns="" xmlns:a16="http://schemas.microsoft.com/office/drawing/2014/main" id="{C0070225-52FE-4F98-B4E3-313CD0E4ECBB}"/>
+                <a16:creationId xmlns:a16="http://schemas.microsoft.com/office/drawing/2014/main" xmlns="" id="{C0070225-52FE-4F98-B4E3-313CD0E4ECBB}"/>
               </a:ext>
             </a:extLst>
           </p:cNvPr>
@@ -6311,7 +6437,7 @@
           <a:lstStyle/>
           <a:p>
             <a:r>
-              <a:rPr lang="ru-RU" dirty="0">
+              <a:rPr lang="ru-RU" b="1" dirty="0">
                 <a:solidFill>
                   <a:schemeClr val="bg1"/>
                 </a:solidFill>
@@ -6326,7 +6452,7 @@
           <p:cNvPr id="3" name="Объект 2">
             <a:extLst>
               <a:ext uri="{FF2B5EF4-FFF2-40B4-BE49-F238E27FC236}">
-                <a16:creationId xmlns="" xmlns:a16="http://schemas.microsoft.com/office/drawing/2014/main" id="{9BD85453-0766-4C3A-A2DC-74932F827972}"/>
+                <a16:creationId xmlns:a16="http://schemas.microsoft.com/office/drawing/2014/main" xmlns="" id="{9BD85453-0766-4C3A-A2DC-74932F827972}"/>
               </a:ext>
             </a:extLst>
           </p:cNvPr>
@@ -7043,7 +7169,7 @@
   <a:extraClrSchemeLst/>
   <a:extLst>
     <a:ext uri="{05A4C25C-085E-4340-85A3-A5531E510DB2}">
-      <thm15:themeFamily xmlns="" xmlns:thm15="http://schemas.microsoft.com/office/thememl/2012/main" name="Office Theme" id="{62F939B6-93AF-4DB8-9C6B-D6C7DFDC589F}" vid="{4A3C46E8-61CC-4603-A589-7422A47A8E4A}"/>
+      <thm15:themeFamily xmlns:thm15="http://schemas.microsoft.com/office/thememl/2012/main" xmlns="" name="Office Theme" id="{62F939B6-93AF-4DB8-9C6B-D6C7DFDC589F}" vid="{4A3C46E8-61CC-4603-A589-7422A47A8E4A}"/>
     </a:ext>
   </a:extLst>
 </a:theme>
